--- a/Chap/Prog01/Presentations/TypesVariables.pptx
+++ b/Chap/Prog01/Presentations/TypesVariables.pptx
@@ -256,7 +256,7 @@
           <a:p>
             <a:fld id="{E15B7D8E-2A20-4C0E-991C-872DBB7459A8}" type="datetimeFigureOut">
               <a:rPr lang="da-DK" smtClean="0"/>
-              <a:t>11-08-2022</a:t>
+              <a:t>24-08-2024</a:t>
             </a:fld>
             <a:endParaRPr lang="da-DK"/>
           </a:p>
@@ -424,7 +424,7 @@
           <a:p>
             <a:fld id="{E15B7D8E-2A20-4C0E-991C-872DBB7459A8}" type="datetimeFigureOut">
               <a:rPr lang="da-DK" smtClean="0"/>
-              <a:t>11-08-2022</a:t>
+              <a:t>24-08-2024</a:t>
             </a:fld>
             <a:endParaRPr lang="da-DK"/>
           </a:p>
@@ -602,7 +602,7 @@
           <a:p>
             <a:fld id="{E15B7D8E-2A20-4C0E-991C-872DBB7459A8}" type="datetimeFigureOut">
               <a:rPr lang="da-DK" smtClean="0"/>
-              <a:t>11-08-2022</a:t>
+              <a:t>24-08-2024</a:t>
             </a:fld>
             <a:endParaRPr lang="da-DK"/>
           </a:p>
@@ -770,7 +770,7 @@
           <a:p>
             <a:fld id="{E15B7D8E-2A20-4C0E-991C-872DBB7459A8}" type="datetimeFigureOut">
               <a:rPr lang="da-DK" smtClean="0"/>
-              <a:t>11-08-2022</a:t>
+              <a:t>24-08-2024</a:t>
             </a:fld>
             <a:endParaRPr lang="da-DK"/>
           </a:p>
@@ -1015,7 +1015,7 @@
           <a:p>
             <a:fld id="{E15B7D8E-2A20-4C0E-991C-872DBB7459A8}" type="datetimeFigureOut">
               <a:rPr lang="da-DK" smtClean="0"/>
-              <a:t>11-08-2022</a:t>
+              <a:t>24-08-2024</a:t>
             </a:fld>
             <a:endParaRPr lang="da-DK"/>
           </a:p>
@@ -1244,7 +1244,7 @@
           <a:p>
             <a:fld id="{E15B7D8E-2A20-4C0E-991C-872DBB7459A8}" type="datetimeFigureOut">
               <a:rPr lang="da-DK" smtClean="0"/>
-              <a:t>11-08-2022</a:t>
+              <a:t>24-08-2024</a:t>
             </a:fld>
             <a:endParaRPr lang="da-DK"/>
           </a:p>
@@ -1608,7 +1608,7 @@
           <a:p>
             <a:fld id="{E15B7D8E-2A20-4C0E-991C-872DBB7459A8}" type="datetimeFigureOut">
               <a:rPr lang="da-DK" smtClean="0"/>
-              <a:t>11-08-2022</a:t>
+              <a:t>24-08-2024</a:t>
             </a:fld>
             <a:endParaRPr lang="da-DK"/>
           </a:p>
@@ -1725,7 +1725,7 @@
           <a:p>
             <a:fld id="{E15B7D8E-2A20-4C0E-991C-872DBB7459A8}" type="datetimeFigureOut">
               <a:rPr lang="da-DK" smtClean="0"/>
-              <a:t>11-08-2022</a:t>
+              <a:t>24-08-2024</a:t>
             </a:fld>
             <a:endParaRPr lang="da-DK"/>
           </a:p>
@@ -1820,7 +1820,7 @@
           <a:p>
             <a:fld id="{E15B7D8E-2A20-4C0E-991C-872DBB7459A8}" type="datetimeFigureOut">
               <a:rPr lang="da-DK" smtClean="0"/>
-              <a:t>11-08-2022</a:t>
+              <a:t>24-08-2024</a:t>
             </a:fld>
             <a:endParaRPr lang="da-DK"/>
           </a:p>
@@ -2095,7 +2095,7 @@
           <a:p>
             <a:fld id="{E15B7D8E-2A20-4C0E-991C-872DBB7459A8}" type="datetimeFigureOut">
               <a:rPr lang="da-DK" smtClean="0"/>
-              <a:t>11-08-2022</a:t>
+              <a:t>24-08-2024</a:t>
             </a:fld>
             <a:endParaRPr lang="da-DK"/>
           </a:p>
@@ -2347,7 +2347,7 @@
           <a:p>
             <a:fld id="{E15B7D8E-2A20-4C0E-991C-872DBB7459A8}" type="datetimeFigureOut">
               <a:rPr lang="da-DK" smtClean="0"/>
-              <a:t>11-08-2022</a:t>
+              <a:t>24-08-2024</a:t>
             </a:fld>
             <a:endParaRPr lang="da-DK"/>
           </a:p>
@@ -2558,7 +2558,7 @@
           <a:p>
             <a:fld id="{E15B7D8E-2A20-4C0E-991C-872DBB7459A8}" type="datetimeFigureOut">
               <a:rPr lang="da-DK" smtClean="0"/>
-              <a:t>11-08-2022</a:t>
+              <a:t>24-08-2024</a:t>
             </a:fld>
             <a:endParaRPr lang="da-DK"/>
           </a:p>
@@ -3164,6 +3164,18 @@
   <p:clrMapOvr>
     <a:masterClrMapping/>
   </p:clrMapOvr>
+  <mc:AlternateContent xmlns:mc="http://schemas.openxmlformats.org/markup-compatibility/2006">
+    <mc:Choice xmlns:p14="http://schemas.microsoft.com/office/powerpoint/2010/main" Requires="p14">
+      <p:transition spd="med" p14:dur="700">
+        <p:fade/>
+      </p:transition>
+    </mc:Choice>
+    <mc:Fallback>
+      <p:transition spd="med">
+        <p:fade/>
+      </p:transition>
+    </mc:Fallback>
+  </mc:AlternateContent>
   <p:timing>
     <p:tnLst>
       <p:par>
@@ -3479,6 +3491,18 @@
   <p:clrMapOvr>
     <a:masterClrMapping/>
   </p:clrMapOvr>
+  <mc:AlternateContent xmlns:mc="http://schemas.openxmlformats.org/markup-compatibility/2006">
+    <mc:Choice xmlns:p14="http://schemas.microsoft.com/office/powerpoint/2010/main" Requires="p14">
+      <p:transition spd="med" p14:dur="700">
+        <p:fade/>
+      </p:transition>
+    </mc:Choice>
+    <mc:Fallback>
+      <p:transition spd="med">
+        <p:fade/>
+      </p:transition>
+    </mc:Fallback>
+  </mc:AlternateContent>
   <p:timing>
     <p:tnLst>
       <p:par>
@@ -3661,6 +3685,18 @@
   <p:clrMapOvr>
     <a:masterClrMapping/>
   </p:clrMapOvr>
+  <mc:AlternateContent xmlns:mc="http://schemas.openxmlformats.org/markup-compatibility/2006">
+    <mc:Choice xmlns:p14="http://schemas.microsoft.com/office/powerpoint/2010/main" Requires="p14">
+      <p:transition spd="med" p14:dur="700">
+        <p:fade/>
+      </p:transition>
+    </mc:Choice>
+    <mc:Fallback>
+      <p:transition spd="med">
+        <p:fade/>
+      </p:transition>
+    </mc:Fallback>
+  </mc:AlternateContent>
 </p:sld>
 </file>
 
@@ -3880,6 +3916,18 @@
   <p:clrMapOvr>
     <a:masterClrMapping/>
   </p:clrMapOvr>
+  <mc:AlternateContent xmlns:mc="http://schemas.openxmlformats.org/markup-compatibility/2006">
+    <mc:Choice xmlns:p14="http://schemas.microsoft.com/office/powerpoint/2010/main" Requires="p14">
+      <p:transition spd="med" p14:dur="700">
+        <p:fade/>
+      </p:transition>
+    </mc:Choice>
+    <mc:Fallback>
+      <p:transition spd="med">
+        <p:fade/>
+      </p:transition>
+    </mc:Fallback>
+  </mc:AlternateContent>
   <p:timing>
     <p:tnLst>
       <p:par>
@@ -4182,6 +4230,18 @@
   <p:clrMapOvr>
     <a:masterClrMapping/>
   </p:clrMapOvr>
+  <mc:AlternateContent xmlns:mc="http://schemas.openxmlformats.org/markup-compatibility/2006">
+    <mc:Choice xmlns:p14="http://schemas.microsoft.com/office/powerpoint/2010/main" Requires="p14">
+      <p:transition spd="med" p14:dur="700">
+        <p:fade/>
+      </p:transition>
+    </mc:Choice>
+    <mc:Fallback>
+      <p:transition spd="med">
+        <p:fade/>
+      </p:transition>
+    </mc:Fallback>
+  </mc:AlternateContent>
   <p:timing>
     <p:tnLst>
       <p:par>
@@ -4338,6 +4398,18 @@
   <p:clrMapOvr>
     <a:masterClrMapping/>
   </p:clrMapOvr>
+  <mc:AlternateContent xmlns:mc="http://schemas.openxmlformats.org/markup-compatibility/2006">
+    <mc:Choice xmlns:p14="http://schemas.microsoft.com/office/powerpoint/2010/main" Requires="p14">
+      <p:transition spd="med" p14:dur="700">
+        <p:fade/>
+      </p:transition>
+    </mc:Choice>
+    <mc:Fallback>
+      <p:transition spd="med">
+        <p:fade/>
+      </p:transition>
+    </mc:Fallback>
+  </mc:AlternateContent>
 </p:sld>
 </file>
 
@@ -4445,6 +4517,18 @@
   <p:clrMapOvr>
     <a:masterClrMapping/>
   </p:clrMapOvr>
+  <mc:AlternateContent xmlns:mc="http://schemas.openxmlformats.org/markup-compatibility/2006">
+    <mc:Choice xmlns:p14="http://schemas.microsoft.com/office/powerpoint/2010/main" Requires="p14">
+      <p:transition spd="med" p14:dur="700">
+        <p:fade/>
+      </p:transition>
+    </mc:Choice>
+    <mc:Fallback>
+      <p:transition spd="med">
+        <p:fade/>
+      </p:transition>
+    </mc:Fallback>
+  </mc:AlternateContent>
 </p:sld>
 </file>
 
@@ -5513,6 +5597,18 @@
   <p:clrMapOvr>
     <a:masterClrMapping/>
   </p:clrMapOvr>
+  <mc:AlternateContent xmlns:mc="http://schemas.openxmlformats.org/markup-compatibility/2006">
+    <mc:Choice xmlns:p14="http://schemas.microsoft.com/office/powerpoint/2010/main" Requires="p14">
+      <p:transition spd="med" p14:dur="700">
+        <p:fade/>
+      </p:transition>
+    </mc:Choice>
+    <mc:Fallback>
+      <p:transition spd="med">
+        <p:fade/>
+      </p:transition>
+    </mc:Fallback>
+  </mc:AlternateContent>
 </p:sld>
 </file>
 
@@ -6999,6 +7095,18 @@
   <p:clrMapOvr>
     <a:masterClrMapping/>
   </p:clrMapOvr>
+  <mc:AlternateContent xmlns:mc="http://schemas.openxmlformats.org/markup-compatibility/2006">
+    <mc:Choice xmlns:p14="http://schemas.microsoft.com/office/powerpoint/2010/main" Requires="p14">
+      <p:transition spd="med" p14:dur="700">
+        <p:fade/>
+      </p:transition>
+    </mc:Choice>
+    <mc:Fallback>
+      <p:transition spd="med">
+        <p:fade/>
+      </p:transition>
+    </mc:Fallback>
+  </mc:AlternateContent>
   <p:timing>
     <p:tnLst>
       <p:par>
@@ -8649,6 +8757,18 @@
   <p:clrMapOvr>
     <a:masterClrMapping/>
   </p:clrMapOvr>
+  <mc:AlternateContent xmlns:mc="http://schemas.openxmlformats.org/markup-compatibility/2006">
+    <mc:Choice xmlns:p14="http://schemas.microsoft.com/office/powerpoint/2010/main" Requires="p14">
+      <p:transition spd="med" p14:dur="700">
+        <p:fade/>
+      </p:transition>
+    </mc:Choice>
+    <mc:Fallback>
+      <p:transition spd="med">
+        <p:fade/>
+      </p:transition>
+    </mc:Fallback>
+  </mc:AlternateContent>
   <p:timing>
     <p:tnLst>
       <p:par>
@@ -10343,6 +10463,18 @@
   <p:clrMapOvr>
     <a:masterClrMapping/>
   </p:clrMapOvr>
+  <mc:AlternateContent xmlns:mc="http://schemas.openxmlformats.org/markup-compatibility/2006">
+    <mc:Choice xmlns:p14="http://schemas.microsoft.com/office/powerpoint/2010/main" Requires="p14">
+      <p:transition spd="med" p14:dur="700">
+        <p:fade/>
+      </p:transition>
+    </mc:Choice>
+    <mc:Fallback>
+      <p:transition spd="med">
+        <p:fade/>
+      </p:transition>
+    </mc:Fallback>
+  </mc:AlternateContent>
   <p:timing>
     <p:tnLst>
       <p:par>
@@ -10607,6 +10739,18 @@
   <p:clrMapOvr>
     <a:masterClrMapping/>
   </p:clrMapOvr>
+  <mc:AlternateContent xmlns:mc="http://schemas.openxmlformats.org/markup-compatibility/2006">
+    <mc:Choice xmlns:p14="http://schemas.microsoft.com/office/powerpoint/2010/main" Requires="p14">
+      <p:transition spd="med" p14:dur="700">
+        <p:fade/>
+      </p:transition>
+    </mc:Choice>
+    <mc:Fallback>
+      <p:transition spd="med">
+        <p:fade/>
+      </p:transition>
+    </mc:Fallback>
+  </mc:AlternateContent>
 </p:sld>
 </file>
 
@@ -12357,6 +12501,18 @@
   <p:clrMapOvr>
     <a:masterClrMapping/>
   </p:clrMapOvr>
+  <mc:AlternateContent xmlns:mc="http://schemas.openxmlformats.org/markup-compatibility/2006">
+    <mc:Choice xmlns:p14="http://schemas.microsoft.com/office/powerpoint/2010/main" Requires="p14">
+      <p:transition spd="med" p14:dur="700">
+        <p:fade/>
+      </p:transition>
+    </mc:Choice>
+    <mc:Fallback>
+      <p:transition spd="med">
+        <p:fade/>
+      </p:transition>
+    </mc:Fallback>
+  </mc:AlternateContent>
 </p:sld>
 </file>
 
@@ -12427,6 +12583,18 @@
   <p:clrMapOvr>
     <a:masterClrMapping/>
   </p:clrMapOvr>
+  <mc:AlternateContent xmlns:mc="http://schemas.openxmlformats.org/markup-compatibility/2006">
+    <mc:Choice xmlns:p14="http://schemas.microsoft.com/office/powerpoint/2010/main" Requires="p14">
+      <p:transition spd="med" p14:dur="700">
+        <p:fade/>
+      </p:transition>
+    </mc:Choice>
+    <mc:Fallback>
+      <p:transition spd="med">
+        <p:fade/>
+      </p:transition>
+    </mc:Fallback>
+  </mc:AlternateContent>
 </p:sld>
 </file>
 
@@ -14171,6 +14339,18 @@
   <p:clrMapOvr>
     <a:masterClrMapping/>
   </p:clrMapOvr>
+  <mc:AlternateContent xmlns:mc="http://schemas.openxmlformats.org/markup-compatibility/2006">
+    <mc:Choice xmlns:p14="http://schemas.microsoft.com/office/powerpoint/2010/main" Requires="p14">
+      <p:transition spd="med" p14:dur="700">
+        <p:fade/>
+      </p:transition>
+    </mc:Choice>
+    <mc:Fallback>
+      <p:transition spd="med">
+        <p:fade/>
+      </p:transition>
+    </mc:Fallback>
+  </mc:AlternateContent>
 </p:sld>
 </file>
 
